--- a/ITI/TF/Volume1/media/Figure_4.3.3-1.pptx
+++ b/ITI/TF/Volume1/media/Figure_4.3.3-1.pptx
@@ -104,6 +104,11 @@
       </a:defRPr>
     </a:lvl9pPr>
   </p:defaultTextStyle>
+  <p:extLst>
+    <p:ext uri="{EFAFB233-063F-42B5-8137-9DF3F51BA10A}">
+      <p15:sldGuideLst xmlns:p15="http://schemas.microsoft.com/office/powerpoint/2012/main"/>
+    </p:ext>
+  </p:extLst>
 </p:presentation>
 </file>
 
@@ -254,7 +259,7 @@
           <a:p>
             <a:fld id="{0216CDA7-2273-FA43-A86F-291AFF0E4051}" type="datetimeFigureOut">
               <a:rPr lang="en-US" smtClean="0"/>
-              <a:t>8/10/20</a:t>
+              <a:t>8/26/20</a:t>
             </a:fld>
             <a:endParaRPr lang="en-US"/>
           </a:p>
@@ -452,7 +457,7 @@
           <a:p>
             <a:fld id="{0216CDA7-2273-FA43-A86F-291AFF0E4051}" type="datetimeFigureOut">
               <a:rPr lang="en-US" smtClean="0"/>
-              <a:t>8/10/20</a:t>
+              <a:t>8/26/20</a:t>
             </a:fld>
             <a:endParaRPr lang="en-US"/>
           </a:p>
@@ -660,7 +665,7 @@
           <a:p>
             <a:fld id="{0216CDA7-2273-FA43-A86F-291AFF0E4051}" type="datetimeFigureOut">
               <a:rPr lang="en-US" smtClean="0"/>
-              <a:t>8/10/20</a:t>
+              <a:t>8/26/20</a:t>
             </a:fld>
             <a:endParaRPr lang="en-US"/>
           </a:p>
@@ -858,7 +863,7 @@
           <a:p>
             <a:fld id="{0216CDA7-2273-FA43-A86F-291AFF0E4051}" type="datetimeFigureOut">
               <a:rPr lang="en-US" smtClean="0"/>
-              <a:t>8/10/20</a:t>
+              <a:t>8/26/20</a:t>
             </a:fld>
             <a:endParaRPr lang="en-US"/>
           </a:p>
@@ -1133,7 +1138,7 @@
           <a:p>
             <a:fld id="{0216CDA7-2273-FA43-A86F-291AFF0E4051}" type="datetimeFigureOut">
               <a:rPr lang="en-US" smtClean="0"/>
-              <a:t>8/10/20</a:t>
+              <a:t>8/26/20</a:t>
             </a:fld>
             <a:endParaRPr lang="en-US"/>
           </a:p>
@@ -1398,7 +1403,7 @@
           <a:p>
             <a:fld id="{0216CDA7-2273-FA43-A86F-291AFF0E4051}" type="datetimeFigureOut">
               <a:rPr lang="en-US" smtClean="0"/>
-              <a:t>8/10/20</a:t>
+              <a:t>8/26/20</a:t>
             </a:fld>
             <a:endParaRPr lang="en-US"/>
           </a:p>
@@ -1810,7 +1815,7 @@
           <a:p>
             <a:fld id="{0216CDA7-2273-FA43-A86F-291AFF0E4051}" type="datetimeFigureOut">
               <a:rPr lang="en-US" smtClean="0"/>
-              <a:t>8/10/20</a:t>
+              <a:t>8/26/20</a:t>
             </a:fld>
             <a:endParaRPr lang="en-US"/>
           </a:p>
@@ -1951,7 +1956,7 @@
           <a:p>
             <a:fld id="{0216CDA7-2273-FA43-A86F-291AFF0E4051}" type="datetimeFigureOut">
               <a:rPr lang="en-US" smtClean="0"/>
-              <a:t>8/10/20</a:t>
+              <a:t>8/26/20</a:t>
             </a:fld>
             <a:endParaRPr lang="en-US"/>
           </a:p>
@@ -2064,7 +2069,7 @@
           <a:p>
             <a:fld id="{0216CDA7-2273-FA43-A86F-291AFF0E4051}" type="datetimeFigureOut">
               <a:rPr lang="en-US" smtClean="0"/>
-              <a:t>8/10/20</a:t>
+              <a:t>8/26/20</a:t>
             </a:fld>
             <a:endParaRPr lang="en-US"/>
           </a:p>
@@ -2375,7 +2380,7 @@
           <a:p>
             <a:fld id="{0216CDA7-2273-FA43-A86F-291AFF0E4051}" type="datetimeFigureOut">
               <a:rPr lang="en-US" smtClean="0"/>
-              <a:t>8/10/20</a:t>
+              <a:t>8/26/20</a:t>
             </a:fld>
             <a:endParaRPr lang="en-US"/>
           </a:p>
@@ -2663,7 +2668,7 @@
           <a:p>
             <a:fld id="{0216CDA7-2273-FA43-A86F-291AFF0E4051}" type="datetimeFigureOut">
               <a:rPr lang="en-US" smtClean="0"/>
-              <a:t>8/10/20</a:t>
+              <a:t>8/26/20</a:t>
             </a:fld>
             <a:endParaRPr lang="en-US"/>
           </a:p>
@@ -2904,7 +2909,7 @@
           <a:p>
             <a:fld id="{0216CDA7-2273-FA43-A86F-291AFF0E4051}" type="datetimeFigureOut">
               <a:rPr lang="en-US" smtClean="0"/>
-              <a:t>8/10/20</a:t>
+              <a:t>8/26/20</a:t>
             </a:fld>
             <a:endParaRPr lang="en-US"/>
           </a:p>
@@ -3395,8 +3400,9 @@
                   <a:schemeClr val="tx1"/>
                 </a:solidFill>
                 <a:effectLst/>
-                <a:latin typeface="Arial" panose="020B0604020202020204" pitchFamily="34" charset="0"/>
+                <a:latin typeface="Times New Roman" panose="02020603050405020304" pitchFamily="18" charset="0"/>
                 <a:ea typeface="Times New Roman" panose="02020603050405020304" pitchFamily="18" charset="0"/>
+                <a:cs typeface="Times New Roman" panose="02020603050405020304" pitchFamily="18" charset="0"/>
               </a:rPr>
               <a:t>Get User Authentication [ITI-2] (from Kerberos Authentication Server), User A </a:t>
             </a:r>
@@ -3408,7 +3414,8 @@
                 <a:schemeClr val="tx1"/>
               </a:solidFill>
               <a:effectLst/>
-              <a:latin typeface="Arial" panose="020B0604020202020204" pitchFamily="34" charset="0"/>
+              <a:latin typeface="Times New Roman" panose="02020603050405020304" pitchFamily="18" charset="0"/>
+              <a:cs typeface="Times New Roman" panose="02020603050405020304" pitchFamily="18" charset="0"/>
             </a:endParaRPr>
           </a:p>
         </p:txBody>
@@ -3487,8 +3494,9 @@
                   <a:schemeClr val="tx1"/>
                 </a:solidFill>
                 <a:effectLst/>
-                <a:latin typeface="Arial" panose="020B0604020202020204" pitchFamily="34" charset="0"/>
+                <a:latin typeface="Times New Roman" panose="02020603050405020304" pitchFamily="18" charset="0"/>
                 <a:ea typeface="Times New Roman" panose="02020603050405020304" pitchFamily="18" charset="0"/>
+                <a:cs typeface="Times New Roman" panose="02020603050405020304" pitchFamily="18" charset="0"/>
               </a:rPr>
               <a:t>Follow Context [ITI-13]</a:t>
             </a:r>
@@ -3500,7 +3508,8 @@
                 <a:schemeClr val="tx1"/>
               </a:solidFill>
               <a:effectLst/>
-              <a:latin typeface="Arial" panose="020B0604020202020204" pitchFamily="34" charset="0"/>
+              <a:latin typeface="Times New Roman" panose="02020603050405020304" pitchFamily="18" charset="0"/>
+              <a:cs typeface="Times New Roman" panose="02020603050405020304" pitchFamily="18" charset="0"/>
             </a:endParaRPr>
           </a:p>
         </p:txBody>
@@ -3579,8 +3588,9 @@
                   <a:schemeClr val="tx1"/>
                 </a:solidFill>
                 <a:effectLst/>
-                <a:latin typeface="Arial" panose="020B0604020202020204" pitchFamily="34" charset="0"/>
+                <a:latin typeface="Times New Roman" panose="02020603050405020304" pitchFamily="18" charset="0"/>
                 <a:ea typeface="Times New Roman" panose="02020603050405020304" pitchFamily="18" charset="0"/>
+                <a:cs typeface="Times New Roman" panose="02020603050405020304" pitchFamily="18" charset="0"/>
               </a:rPr>
               <a:t>Follow Context [ITI-13] </a:t>
             </a:r>
@@ -3592,7 +3602,8 @@
                 <a:schemeClr val="tx1"/>
               </a:solidFill>
               <a:effectLst/>
-              <a:latin typeface="Arial" panose="020B0604020202020204" pitchFamily="34" charset="0"/>
+              <a:latin typeface="Times New Roman" panose="02020603050405020304" pitchFamily="18" charset="0"/>
+              <a:cs typeface="Times New Roman" panose="02020603050405020304" pitchFamily="18" charset="0"/>
             </a:endParaRPr>
           </a:p>
         </p:txBody>
@@ -4016,7 +4027,10 @@
           </a:bodyPr>
           <a:lstStyle/>
           <a:p>
-            <a:endParaRPr lang="en-US"/>
+            <a:endParaRPr lang="en-US">
+              <a:latin typeface="Times New Roman" panose="02020603050405020304" pitchFamily="18" charset="0"/>
+              <a:cs typeface="Times New Roman" panose="02020603050405020304" pitchFamily="18" charset="0"/>
+            </a:endParaRPr>
           </a:p>
         </p:txBody>
       </p:sp>
@@ -4114,7 +4128,10 @@
           </a:bodyPr>
           <a:lstStyle/>
           <a:p>
-            <a:endParaRPr lang="en-US"/>
+            <a:endParaRPr lang="en-US">
+              <a:latin typeface="Times New Roman" panose="02020603050405020304" pitchFamily="18" charset="0"/>
+              <a:cs typeface="Times New Roman" panose="02020603050405020304" pitchFamily="18" charset="0"/>
+            </a:endParaRPr>
           </a:p>
         </p:txBody>
       </p:sp>
@@ -4134,7 +4151,7 @@
         </p:nvSpPr>
         <p:spPr bwMode="auto">
           <a:xfrm>
-            <a:off x="5765800" y="4567238"/>
+            <a:off x="5899612" y="4567238"/>
             <a:ext cx="712788" cy="238125"/>
           </a:xfrm>
           <a:prstGeom prst="rect">
@@ -4192,8 +4209,9 @@
                   <a:schemeClr val="tx1"/>
                 </a:solidFill>
                 <a:effectLst/>
-                <a:latin typeface="Arial" panose="020B0604020202020204" pitchFamily="34" charset="0"/>
+                <a:latin typeface="Times New Roman" panose="02020603050405020304" pitchFamily="18" charset="0"/>
                 <a:ea typeface="Times New Roman" panose="02020603050405020304" pitchFamily="18" charset="0"/>
+                <a:cs typeface="Times New Roman" panose="02020603050405020304" pitchFamily="18" charset="0"/>
               </a:rPr>
               <a:t>User B</a:t>
             </a:r>
@@ -4206,8 +4224,9 @@
                   <a:schemeClr val="tx1"/>
                 </a:solidFill>
                 <a:effectLst/>
-                <a:latin typeface="Arial" panose="020B0604020202020204" pitchFamily="34" charset="0"/>
+                <a:latin typeface="Times New Roman" panose="02020603050405020304" pitchFamily="18" charset="0"/>
                 <a:ea typeface="Times New Roman" panose="02020603050405020304" pitchFamily="18" charset="0"/>
+                <a:cs typeface="Times New Roman" panose="02020603050405020304" pitchFamily="18" charset="0"/>
               </a:rPr>
             </a:br>
             <a:r>
@@ -4219,8 +4238,9 @@
                   <a:schemeClr val="tx1"/>
                 </a:solidFill>
                 <a:effectLst/>
-                <a:latin typeface="Arial" panose="020B0604020202020204" pitchFamily="34" charset="0"/>
+                <a:latin typeface="Times New Roman" panose="02020603050405020304" pitchFamily="18" charset="0"/>
                 <a:ea typeface="Times New Roman" panose="02020603050405020304" pitchFamily="18" charset="0"/>
+                <a:cs typeface="Times New Roman" panose="02020603050405020304" pitchFamily="18" charset="0"/>
               </a:rPr>
               <a:t>logged Off</a:t>
             </a:r>
@@ -4232,7 +4252,8 @@
                 <a:schemeClr val="tx1"/>
               </a:solidFill>
               <a:effectLst/>
-              <a:latin typeface="Arial" panose="020B0604020202020204" pitchFamily="34" charset="0"/>
+              <a:latin typeface="Times New Roman" panose="02020603050405020304" pitchFamily="18" charset="0"/>
+              <a:cs typeface="Times New Roman" panose="02020603050405020304" pitchFamily="18" charset="0"/>
             </a:endParaRPr>
           </a:p>
         </p:txBody>
@@ -4316,8 +4337,9 @@
                   <a:schemeClr val="tx1"/>
                 </a:solidFill>
                 <a:effectLst/>
-                <a:latin typeface="Arial" panose="020B0604020202020204" pitchFamily="34" charset="0"/>
+                <a:latin typeface="Times New Roman" panose="02020603050405020304" pitchFamily="18" charset="0"/>
                 <a:ea typeface="Times New Roman" panose="02020603050405020304" pitchFamily="18" charset="0"/>
+                <a:cs typeface="Times New Roman" panose="02020603050405020304" pitchFamily="18" charset="0"/>
               </a:rPr>
               <a:t>Join Context [ITI-5]</a:t>
             </a:r>
@@ -4329,7 +4351,8 @@
                 <a:schemeClr val="tx1"/>
               </a:solidFill>
               <a:effectLst/>
-              <a:latin typeface="Arial" panose="020B0604020202020204" pitchFamily="34" charset="0"/>
+              <a:latin typeface="Times New Roman" panose="02020603050405020304" pitchFamily="18" charset="0"/>
+              <a:cs typeface="Times New Roman" panose="02020603050405020304" pitchFamily="18" charset="0"/>
             </a:endParaRPr>
           </a:p>
         </p:txBody>
@@ -4495,7 +4518,10 @@
           </a:bodyPr>
           <a:lstStyle/>
           <a:p>
-            <a:endParaRPr lang="en-US"/>
+            <a:endParaRPr lang="en-US">
+              <a:latin typeface="Times New Roman" panose="02020603050405020304" pitchFamily="18" charset="0"/>
+              <a:cs typeface="Times New Roman" panose="02020603050405020304" pitchFamily="18" charset="0"/>
+            </a:endParaRPr>
           </a:p>
         </p:txBody>
       </p:sp>
@@ -4573,8 +4599,9 @@
                   <a:schemeClr val="tx1"/>
                 </a:solidFill>
                 <a:effectLst/>
-                <a:latin typeface="Arial" panose="020B0604020202020204" pitchFamily="34" charset="0"/>
+                <a:latin typeface="Times New Roman" panose="02020603050405020304" pitchFamily="18" charset="0"/>
                 <a:ea typeface="Times New Roman" panose="02020603050405020304" pitchFamily="18" charset="0"/>
+                <a:cs typeface="Times New Roman" panose="02020603050405020304" pitchFamily="18" charset="0"/>
               </a:rPr>
               <a:t>Join Context [ITI-5]</a:t>
             </a:r>
@@ -4586,7 +4613,8 @@
                 <a:schemeClr val="tx1"/>
               </a:solidFill>
               <a:effectLst/>
-              <a:latin typeface="Arial" panose="020B0604020202020204" pitchFamily="34" charset="0"/>
+              <a:latin typeface="Times New Roman" panose="02020603050405020304" pitchFamily="18" charset="0"/>
+              <a:cs typeface="Times New Roman" panose="02020603050405020304" pitchFamily="18" charset="0"/>
             </a:endParaRPr>
           </a:p>
         </p:txBody>
@@ -4665,8 +4693,9 @@
                   <a:schemeClr val="tx1"/>
                 </a:solidFill>
                 <a:effectLst/>
-                <a:latin typeface="Arial" panose="020B0604020202020204" pitchFamily="34" charset="0"/>
+                <a:latin typeface="Times New Roman" panose="02020603050405020304" pitchFamily="18" charset="0"/>
                 <a:ea typeface="Times New Roman" panose="02020603050405020304" pitchFamily="18" charset="0"/>
+                <a:cs typeface="Times New Roman" panose="02020603050405020304" pitchFamily="18" charset="0"/>
               </a:rPr>
               <a:t>Follow Context [ITI-13]</a:t>
             </a:r>
@@ -4678,7 +4707,8 @@
                 <a:schemeClr val="tx1"/>
               </a:solidFill>
               <a:effectLst/>
-              <a:latin typeface="Arial" panose="020B0604020202020204" pitchFamily="34" charset="0"/>
+              <a:latin typeface="Times New Roman" panose="02020603050405020304" pitchFamily="18" charset="0"/>
+              <a:cs typeface="Times New Roman" panose="02020603050405020304" pitchFamily="18" charset="0"/>
             </a:endParaRPr>
           </a:p>
         </p:txBody>
@@ -4730,7 +4760,10 @@
           </a:bodyPr>
           <a:lstStyle/>
           <a:p>
-            <a:endParaRPr lang="en-US"/>
+            <a:endParaRPr lang="en-US">
+              <a:latin typeface="Times New Roman" panose="02020603050405020304" pitchFamily="18" charset="0"/>
+              <a:cs typeface="Times New Roman" panose="02020603050405020304" pitchFamily="18" charset="0"/>
+            </a:endParaRPr>
           </a:p>
         </p:txBody>
       </p:sp>
@@ -4781,7 +4814,10 @@
           </a:bodyPr>
           <a:lstStyle/>
           <a:p>
-            <a:endParaRPr lang="en-US"/>
+            <a:endParaRPr lang="en-US">
+              <a:latin typeface="Times New Roman" panose="02020603050405020304" pitchFamily="18" charset="0"/>
+              <a:cs typeface="Times New Roman" panose="02020603050405020304" pitchFamily="18" charset="0"/>
+            </a:endParaRPr>
           </a:p>
         </p:txBody>
       </p:sp>
@@ -4832,7 +4868,10 @@
           </a:bodyPr>
           <a:lstStyle/>
           <a:p>
-            <a:endParaRPr lang="en-US"/>
+            <a:endParaRPr lang="en-US">
+              <a:latin typeface="Times New Roman" panose="02020603050405020304" pitchFamily="18" charset="0"/>
+              <a:cs typeface="Times New Roman" panose="02020603050405020304" pitchFamily="18" charset="0"/>
+            </a:endParaRPr>
           </a:p>
         </p:txBody>
       </p:sp>
@@ -4910,8 +4949,9 @@
                   <a:schemeClr val="tx1"/>
                 </a:solidFill>
                 <a:effectLst/>
-                <a:latin typeface="Arial" panose="020B0604020202020204" pitchFamily="34" charset="0"/>
+                <a:latin typeface="Times New Roman" panose="02020603050405020304" pitchFamily="18" charset="0"/>
                 <a:ea typeface="Times New Roman" panose="02020603050405020304" pitchFamily="18" charset="0"/>
+                <a:cs typeface="Times New Roman" panose="02020603050405020304" pitchFamily="18" charset="0"/>
               </a:rPr>
               <a:t>Follow Context [ITI-13]</a:t>
             </a:r>
@@ -4923,7 +4963,8 @@
                 <a:schemeClr val="tx1"/>
               </a:solidFill>
               <a:effectLst/>
-              <a:latin typeface="Arial" panose="020B0604020202020204" pitchFamily="34" charset="0"/>
+              <a:latin typeface="Times New Roman" panose="02020603050405020304" pitchFamily="18" charset="0"/>
+              <a:cs typeface="Times New Roman" panose="02020603050405020304" pitchFamily="18" charset="0"/>
             </a:endParaRPr>
           </a:p>
         </p:txBody>
@@ -5002,8 +5043,9 @@
                   <a:schemeClr val="tx1"/>
                 </a:solidFill>
                 <a:effectLst/>
-                <a:latin typeface="Arial" panose="020B0604020202020204" pitchFamily="34" charset="0"/>
+                <a:latin typeface="Times New Roman" panose="02020603050405020304" pitchFamily="18" charset="0"/>
                 <a:ea typeface="Times New Roman" panose="02020603050405020304" pitchFamily="18" charset="0"/>
+                <a:cs typeface="Times New Roman" panose="02020603050405020304" pitchFamily="18" charset="0"/>
               </a:rPr>
               <a:t>Follow Context [ITI-13]</a:t>
             </a:r>
@@ -5015,7 +5057,8 @@
                 <a:schemeClr val="tx1"/>
               </a:solidFill>
               <a:effectLst/>
-              <a:latin typeface="Arial" panose="020B0604020202020204" pitchFamily="34" charset="0"/>
+              <a:latin typeface="Times New Roman" panose="02020603050405020304" pitchFamily="18" charset="0"/>
+              <a:cs typeface="Times New Roman" panose="02020603050405020304" pitchFamily="18" charset="0"/>
             </a:endParaRPr>
           </a:p>
         </p:txBody>
@@ -5094,8 +5137,9 @@
                   <a:schemeClr val="tx1"/>
                 </a:solidFill>
                 <a:effectLst/>
-                <a:latin typeface="Arial" panose="020B0604020202020204" pitchFamily="34" charset="0"/>
+                <a:latin typeface="Times New Roman" panose="02020603050405020304" pitchFamily="18" charset="0"/>
                 <a:ea typeface="Times New Roman" panose="02020603050405020304" pitchFamily="18" charset="0"/>
+                <a:cs typeface="Times New Roman" panose="02020603050405020304" pitchFamily="18" charset="0"/>
               </a:rPr>
               <a:t>Get User Authentication [ITI-2] (from Kerberos Authentication Server), User B</a:t>
             </a:r>
@@ -5107,7 +5151,8 @@
                 <a:schemeClr val="tx1"/>
               </a:solidFill>
               <a:effectLst/>
-              <a:latin typeface="Arial" panose="020B0604020202020204" pitchFamily="34" charset="0"/>
+              <a:latin typeface="Times New Roman" panose="02020603050405020304" pitchFamily="18" charset="0"/>
+              <a:cs typeface="Times New Roman" panose="02020603050405020304" pitchFamily="18" charset="0"/>
             </a:endParaRPr>
           </a:p>
         </p:txBody>
@@ -5186,8 +5231,9 @@
                   <a:schemeClr val="tx1"/>
                 </a:solidFill>
                 <a:effectLst/>
-                <a:latin typeface="Arial" panose="020B0604020202020204" pitchFamily="34" charset="0"/>
+                <a:latin typeface="Times New Roman" panose="02020603050405020304" pitchFamily="18" charset="0"/>
                 <a:ea typeface="Times New Roman" panose="02020603050405020304" pitchFamily="18" charset="0"/>
+                <a:cs typeface="Times New Roman" panose="02020603050405020304" pitchFamily="18" charset="0"/>
               </a:rPr>
               <a:t>Leave Context [ITI-7]</a:t>
             </a:r>
@@ -5199,7 +5245,8 @@
                 <a:schemeClr val="tx1"/>
               </a:solidFill>
               <a:effectLst/>
-              <a:latin typeface="Arial" panose="020B0604020202020204" pitchFamily="34" charset="0"/>
+              <a:latin typeface="Times New Roman" panose="02020603050405020304" pitchFamily="18" charset="0"/>
+              <a:cs typeface="Times New Roman" panose="02020603050405020304" pitchFamily="18" charset="0"/>
             </a:endParaRPr>
           </a:p>
         </p:txBody>
@@ -5251,7 +5298,10 @@
           </a:bodyPr>
           <a:lstStyle/>
           <a:p>
-            <a:endParaRPr lang="en-US"/>
+            <a:endParaRPr lang="en-US">
+              <a:latin typeface="Times New Roman" panose="02020603050405020304" pitchFamily="18" charset="0"/>
+              <a:cs typeface="Times New Roman" panose="02020603050405020304" pitchFamily="18" charset="0"/>
+            </a:endParaRPr>
           </a:p>
         </p:txBody>
       </p:sp>
@@ -5271,7 +5321,7 @@
         </p:nvSpPr>
         <p:spPr bwMode="auto">
           <a:xfrm>
-            <a:off x="1381125" y="3973513"/>
+            <a:off x="1258464" y="3973513"/>
             <a:ext cx="712788" cy="304800"/>
           </a:xfrm>
           <a:prstGeom prst="rect">
@@ -5321,7 +5371,7 @@
               <a:tabLst/>
             </a:pPr>
             <a:r>
-              <a:rPr kumimoji="0" lang="en-US" altLang="en-US" sz="800" b="0" i="1" u="none" strike="noStrike" cap="none" normalizeH="0" baseline="0">
+              <a:rPr kumimoji="0" lang="en-US" altLang="en-US" sz="800" b="0" i="1" u="none" strike="noStrike" cap="none" normalizeH="0" baseline="0" dirty="0">
                 <a:ln>
                   <a:noFill/>
                 </a:ln>
@@ -5329,12 +5379,13 @@
                   <a:schemeClr val="tx1"/>
                 </a:solidFill>
                 <a:effectLst/>
-                <a:latin typeface="Arial" panose="020B0604020202020204" pitchFamily="34" charset="0"/>
+                <a:latin typeface="Times New Roman" panose="02020603050405020304" pitchFamily="18" charset="0"/>
                 <a:ea typeface="Times New Roman" panose="02020603050405020304" pitchFamily="18" charset="0"/>
+                <a:cs typeface="Times New Roman" panose="02020603050405020304" pitchFamily="18" charset="0"/>
               </a:rPr>
               <a:t>User B closes application</a:t>
             </a:r>
-            <a:endParaRPr kumimoji="0" lang="en-US" altLang="en-US" sz="1800" b="0" i="0" u="none" strike="noStrike" cap="none" normalizeH="0" baseline="0">
+            <a:endParaRPr kumimoji="0" lang="en-US" altLang="en-US" sz="1800" b="0" i="0" u="none" strike="noStrike" cap="none" normalizeH="0" baseline="0" dirty="0">
               <a:ln>
                 <a:noFill/>
               </a:ln>
@@ -5342,7 +5393,8 @@
                 <a:schemeClr val="tx1"/>
               </a:solidFill>
               <a:effectLst/>
-              <a:latin typeface="Arial" panose="020B0604020202020204" pitchFamily="34" charset="0"/>
+              <a:latin typeface="Times New Roman" panose="02020603050405020304" pitchFamily="18" charset="0"/>
+              <a:cs typeface="Times New Roman" panose="02020603050405020304" pitchFamily="18" charset="0"/>
             </a:endParaRPr>
           </a:p>
         </p:txBody>
@@ -5441,7 +5493,10 @@
           </a:bodyPr>
           <a:lstStyle/>
           <a:p>
-            <a:endParaRPr lang="en-US"/>
+            <a:endParaRPr lang="en-US">
+              <a:latin typeface="Times New Roman" panose="02020603050405020304" pitchFamily="18" charset="0"/>
+              <a:cs typeface="Times New Roman" panose="02020603050405020304" pitchFamily="18" charset="0"/>
+            </a:endParaRPr>
           </a:p>
         </p:txBody>
       </p:sp>
@@ -5611,8 +5666,9 @@
                   <a:schemeClr val="tx1"/>
                 </a:solidFill>
                 <a:effectLst/>
-                <a:latin typeface="Arial" panose="020B0604020202020204" pitchFamily="34" charset="0"/>
+                <a:latin typeface="Times New Roman" panose="02020603050405020304" pitchFamily="18" charset="0"/>
                 <a:ea typeface="Times New Roman" panose="02020603050405020304" pitchFamily="18" charset="0"/>
+                <a:cs typeface="Times New Roman" panose="02020603050405020304" pitchFamily="18" charset="0"/>
               </a:rPr>
               <a:t>Join Context [ITI-5]</a:t>
             </a:r>
@@ -5624,7 +5680,8 @@
                 <a:schemeClr val="tx1"/>
               </a:solidFill>
               <a:effectLst/>
-              <a:latin typeface="Arial" panose="020B0604020202020204" pitchFamily="34" charset="0"/>
+              <a:latin typeface="Times New Roman" panose="02020603050405020304" pitchFamily="18" charset="0"/>
+              <a:cs typeface="Times New Roman" panose="02020603050405020304" pitchFamily="18" charset="0"/>
             </a:endParaRPr>
           </a:p>
         </p:txBody>
@@ -5703,8 +5760,9 @@
                   <a:schemeClr val="tx1"/>
                 </a:solidFill>
                 <a:effectLst/>
-                <a:latin typeface="Arial" panose="020B0604020202020204" pitchFamily="34" charset="0"/>
+                <a:latin typeface="Times New Roman" panose="02020603050405020304" pitchFamily="18" charset="0"/>
                 <a:ea typeface="Times New Roman" panose="02020603050405020304" pitchFamily="18" charset="0"/>
+                <a:cs typeface="Times New Roman" panose="02020603050405020304" pitchFamily="18" charset="0"/>
               </a:rPr>
               <a:t>Change Context [ITI-6]</a:t>
             </a:r>
@@ -5716,7 +5774,8 @@
                 <a:schemeClr val="tx1"/>
               </a:solidFill>
               <a:effectLst/>
-              <a:latin typeface="Arial" panose="020B0604020202020204" pitchFamily="34" charset="0"/>
+              <a:latin typeface="Times New Roman" panose="02020603050405020304" pitchFamily="18" charset="0"/>
+              <a:cs typeface="Times New Roman" panose="02020603050405020304" pitchFamily="18" charset="0"/>
             </a:endParaRPr>
           </a:p>
         </p:txBody>
@@ -5768,7 +5827,10 @@
           </a:bodyPr>
           <a:lstStyle/>
           <a:p>
-            <a:endParaRPr lang="en-US"/>
+            <a:endParaRPr lang="en-US">
+              <a:latin typeface="Times New Roman" panose="02020603050405020304" pitchFamily="18" charset="0"/>
+              <a:cs typeface="Times New Roman" panose="02020603050405020304" pitchFamily="18" charset="0"/>
+            </a:endParaRPr>
           </a:p>
         </p:txBody>
       </p:sp>
@@ -5788,7 +5850,7 @@
         </p:nvSpPr>
         <p:spPr bwMode="auto">
           <a:xfrm>
-            <a:off x="1304925" y="1123950"/>
+            <a:off x="1193415" y="1123950"/>
             <a:ext cx="2613025" cy="0"/>
           </a:xfrm>
           <a:prstGeom prst="line">
@@ -5819,7 +5881,10 @@
           </a:bodyPr>
           <a:lstStyle/>
           <a:p>
-            <a:endParaRPr lang="en-US"/>
+            <a:endParaRPr lang="en-US">
+              <a:latin typeface="Times New Roman" panose="02020603050405020304" pitchFamily="18" charset="0"/>
+              <a:cs typeface="Times New Roman" panose="02020603050405020304" pitchFamily="18" charset="0"/>
+            </a:endParaRPr>
           </a:p>
         </p:txBody>
       </p:sp>
@@ -5870,7 +5935,10 @@
           </a:bodyPr>
           <a:lstStyle/>
           <a:p>
-            <a:endParaRPr lang="en-US"/>
+            <a:endParaRPr lang="en-US">
+              <a:latin typeface="Times New Roman" panose="02020603050405020304" pitchFamily="18" charset="0"/>
+              <a:cs typeface="Times New Roman" panose="02020603050405020304" pitchFamily="18" charset="0"/>
+            </a:endParaRPr>
           </a:p>
         </p:txBody>
       </p:sp>
@@ -5948,8 +6016,9 @@
                   <a:schemeClr val="tx1"/>
                 </a:solidFill>
                 <a:effectLst/>
-                <a:latin typeface="Arial" panose="020B0604020202020204" pitchFamily="34" charset="0"/>
+                <a:latin typeface="Times New Roman" panose="02020603050405020304" pitchFamily="18" charset="0"/>
                 <a:ea typeface="Times New Roman" panose="02020603050405020304" pitchFamily="18" charset="0"/>
+                <a:cs typeface="Times New Roman" panose="02020603050405020304" pitchFamily="18" charset="0"/>
               </a:rPr>
               <a:t> User B Logs Out </a:t>
             </a:r>
@@ -5961,7 +6030,8 @@
                 <a:schemeClr val="tx1"/>
               </a:solidFill>
               <a:effectLst/>
-              <a:latin typeface="Arial" panose="020B0604020202020204" pitchFamily="34" charset="0"/>
+              <a:latin typeface="Times New Roman" panose="02020603050405020304" pitchFamily="18" charset="0"/>
+              <a:cs typeface="Times New Roman" panose="02020603050405020304" pitchFamily="18" charset="0"/>
             </a:endParaRPr>
           </a:p>
         </p:txBody>
@@ -6013,7 +6083,10 @@
           </a:bodyPr>
           <a:lstStyle/>
           <a:p>
-            <a:endParaRPr lang="en-US"/>
+            <a:endParaRPr lang="en-US">
+              <a:latin typeface="Times New Roman" panose="02020603050405020304" pitchFamily="18" charset="0"/>
+              <a:cs typeface="Times New Roman" panose="02020603050405020304" pitchFamily="18" charset="0"/>
+            </a:endParaRPr>
           </a:p>
         </p:txBody>
       </p:sp>
@@ -6096,8 +6169,9 @@
                   <a:schemeClr val="tx1"/>
                 </a:solidFill>
                 <a:effectLst/>
-                <a:latin typeface="Arial" panose="020B0604020202020204" pitchFamily="34" charset="0"/>
+                <a:latin typeface="Times New Roman" panose="02020603050405020304" pitchFamily="18" charset="0"/>
                 <a:ea typeface="Times New Roman" panose="02020603050405020304" pitchFamily="18" charset="0"/>
+                <a:cs typeface="Times New Roman" panose="02020603050405020304" pitchFamily="18" charset="0"/>
               </a:rPr>
               <a:t>Change Context [ITI-6] </a:t>
             </a:r>
@@ -6109,7 +6183,8 @@
                 <a:schemeClr val="tx1"/>
               </a:solidFill>
               <a:effectLst/>
-              <a:latin typeface="Arial" panose="020B0604020202020204" pitchFamily="34" charset="0"/>
+              <a:latin typeface="Times New Roman" panose="02020603050405020304" pitchFamily="18" charset="0"/>
+              <a:cs typeface="Times New Roman" panose="02020603050405020304" pitchFamily="18" charset="0"/>
             </a:endParaRPr>
           </a:p>
         </p:txBody>
@@ -6161,7 +6236,10 @@
           </a:bodyPr>
           <a:lstStyle/>
           <a:p>
-            <a:endParaRPr lang="en-US"/>
+            <a:endParaRPr lang="en-US">
+              <a:latin typeface="Times New Roman" panose="02020603050405020304" pitchFamily="18" charset="0"/>
+              <a:cs typeface="Times New Roman" panose="02020603050405020304" pitchFamily="18" charset="0"/>
+            </a:endParaRPr>
           </a:p>
         </p:txBody>
       </p:sp>
@@ -6212,7 +6290,10 @@
           </a:bodyPr>
           <a:lstStyle/>
           <a:p>
-            <a:endParaRPr lang="en-US"/>
+            <a:endParaRPr lang="en-US">
+              <a:latin typeface="Times New Roman" panose="02020603050405020304" pitchFamily="18" charset="0"/>
+              <a:cs typeface="Times New Roman" panose="02020603050405020304" pitchFamily="18" charset="0"/>
+            </a:endParaRPr>
           </a:p>
         </p:txBody>
       </p:sp>
@@ -6258,7 +6339,10 @@
           </a:bodyPr>
           <a:lstStyle/>
           <a:p>
-            <a:endParaRPr lang="en-US"/>
+            <a:endParaRPr lang="en-US">
+              <a:latin typeface="Times New Roman" panose="02020603050405020304" pitchFamily="18" charset="0"/>
+              <a:cs typeface="Times New Roman" panose="02020603050405020304" pitchFamily="18" charset="0"/>
+            </a:endParaRPr>
           </a:p>
         </p:txBody>
       </p:sp>
@@ -6278,7 +6362,7 @@
         </p:nvSpPr>
         <p:spPr bwMode="auto">
           <a:xfrm>
-            <a:off x="1185863" y="4448175"/>
+            <a:off x="1185863" y="4470477"/>
             <a:ext cx="2613025" cy="0"/>
           </a:xfrm>
           <a:prstGeom prst="line">
@@ -6309,7 +6393,10 @@
           </a:bodyPr>
           <a:lstStyle/>
           <a:p>
-            <a:endParaRPr lang="en-US"/>
+            <a:endParaRPr lang="en-US">
+              <a:latin typeface="Times New Roman" panose="02020603050405020304" pitchFamily="18" charset="0"/>
+              <a:cs typeface="Times New Roman" panose="02020603050405020304" pitchFamily="18" charset="0"/>
+            </a:endParaRPr>
           </a:p>
         </p:txBody>
       </p:sp>
@@ -6389,8 +6476,9 @@
                   <a:schemeClr val="tx1"/>
                 </a:solidFill>
                 <a:effectLst/>
-                <a:latin typeface="Arial" panose="020B0604020202020204" pitchFamily="34" charset="0"/>
+                <a:latin typeface="Times New Roman" panose="02020603050405020304" pitchFamily="18" charset="0"/>
                 <a:ea typeface="Times New Roman" panose="02020603050405020304" pitchFamily="18" charset="0"/>
+                <a:cs typeface="Times New Roman" panose="02020603050405020304" pitchFamily="18" charset="0"/>
               </a:rPr>
               <a:t>Change Context [ITI-6]</a:t>
             </a:r>
@@ -6402,7 +6490,8 @@
                 <a:schemeClr val="tx1"/>
               </a:solidFill>
               <a:effectLst/>
-              <a:latin typeface="Arial" panose="020B0604020202020204" pitchFamily="34" charset="0"/>
+              <a:latin typeface="Times New Roman" panose="02020603050405020304" pitchFamily="18" charset="0"/>
+              <a:cs typeface="Times New Roman" panose="02020603050405020304" pitchFamily="18" charset="0"/>
             </a:endParaRPr>
           </a:p>
         </p:txBody>
@@ -6481,8 +6570,9 @@
                   <a:schemeClr val="tx1"/>
                 </a:solidFill>
                 <a:effectLst/>
-                <a:latin typeface="Arial" panose="020B0604020202020204" pitchFamily="34" charset="0"/>
+                <a:latin typeface="Times New Roman" panose="02020603050405020304" pitchFamily="18" charset="0"/>
                 <a:ea typeface="Times New Roman" panose="02020603050405020304" pitchFamily="18" charset="0"/>
+                <a:cs typeface="Times New Roman" panose="02020603050405020304" pitchFamily="18" charset="0"/>
               </a:rPr>
               <a:t>User A </a:t>
             </a:r>
@@ -6495,8 +6585,9 @@
                   <a:schemeClr val="tx1"/>
                 </a:solidFill>
                 <a:effectLst/>
-                <a:latin typeface="Arial" panose="020B0604020202020204" pitchFamily="34" charset="0"/>
+                <a:latin typeface="Times New Roman" panose="02020603050405020304" pitchFamily="18" charset="0"/>
                 <a:ea typeface="Times New Roman" panose="02020603050405020304" pitchFamily="18" charset="0"/>
+                <a:cs typeface="Times New Roman" panose="02020603050405020304" pitchFamily="18" charset="0"/>
               </a:rPr>
             </a:br>
             <a:r>
@@ -6508,8 +6599,9 @@
                   <a:schemeClr val="tx1"/>
                 </a:solidFill>
                 <a:effectLst/>
-                <a:latin typeface="Arial" panose="020B0604020202020204" pitchFamily="34" charset="0"/>
+                <a:latin typeface="Times New Roman" panose="02020603050405020304" pitchFamily="18" charset="0"/>
                 <a:ea typeface="Times New Roman" panose="02020603050405020304" pitchFamily="18" charset="0"/>
+                <a:cs typeface="Times New Roman" panose="02020603050405020304" pitchFamily="18" charset="0"/>
               </a:rPr>
               <a:t>leaves area </a:t>
             </a:r>
@@ -6521,7 +6613,8 @@
                 <a:schemeClr val="tx1"/>
               </a:solidFill>
               <a:effectLst/>
-              <a:latin typeface="Arial" panose="020B0604020202020204" pitchFamily="34" charset="0"/>
+              <a:latin typeface="Times New Roman" panose="02020603050405020304" pitchFamily="18" charset="0"/>
+              <a:cs typeface="Times New Roman" panose="02020603050405020304" pitchFamily="18" charset="0"/>
             </a:endParaRPr>
           </a:p>
         </p:txBody>
@@ -6574,7 +6667,10 @@
           </a:bodyPr>
           <a:lstStyle/>
           <a:p>
-            <a:endParaRPr lang="en-US"/>
+            <a:endParaRPr lang="en-US">
+              <a:latin typeface="Times New Roman" panose="02020603050405020304" pitchFamily="18" charset="0"/>
+              <a:cs typeface="Times New Roman" panose="02020603050405020304" pitchFamily="18" charset="0"/>
+            </a:endParaRPr>
           </a:p>
         </p:txBody>
       </p:sp>
@@ -6625,7 +6721,10 @@
           </a:bodyPr>
           <a:lstStyle/>
           <a:p>
-            <a:endParaRPr lang="en-US"/>
+            <a:endParaRPr lang="en-US">
+              <a:latin typeface="Times New Roman" panose="02020603050405020304" pitchFamily="18" charset="0"/>
+              <a:cs typeface="Times New Roman" panose="02020603050405020304" pitchFamily="18" charset="0"/>
+            </a:endParaRPr>
           </a:p>
         </p:txBody>
       </p:sp>
@@ -6676,7 +6775,10 @@
           </a:bodyPr>
           <a:lstStyle/>
           <a:p>
-            <a:endParaRPr lang="en-US"/>
+            <a:endParaRPr lang="en-US">
+              <a:latin typeface="Times New Roman" panose="02020603050405020304" pitchFamily="18" charset="0"/>
+              <a:cs typeface="Times New Roman" panose="02020603050405020304" pitchFamily="18" charset="0"/>
+            </a:endParaRPr>
           </a:p>
         </p:txBody>
       </p:sp>
@@ -6696,7 +6798,7 @@
         </p:nvSpPr>
         <p:spPr bwMode="auto">
           <a:xfrm>
-            <a:off x="5816600" y="3498850"/>
+            <a:off x="5939264" y="3565757"/>
             <a:ext cx="712788" cy="238125"/>
           </a:xfrm>
           <a:prstGeom prst="rect">
@@ -6754,8 +6856,9 @@
                   <a:schemeClr val="tx1"/>
                 </a:solidFill>
                 <a:effectLst/>
-                <a:latin typeface="Arial" panose="020B0604020202020204" pitchFamily="34" charset="0"/>
+                <a:latin typeface="Times New Roman" panose="02020603050405020304" pitchFamily="18" charset="0"/>
                 <a:ea typeface="Times New Roman" panose="02020603050405020304" pitchFamily="18" charset="0"/>
+                <a:cs typeface="Times New Roman" panose="02020603050405020304" pitchFamily="18" charset="0"/>
               </a:rPr>
               <a:t>Switch to </a:t>
             </a:r>
@@ -6768,8 +6871,9 @@
                   <a:schemeClr val="tx1"/>
                 </a:solidFill>
                 <a:effectLst/>
-                <a:latin typeface="Arial" panose="020B0604020202020204" pitchFamily="34" charset="0"/>
+                <a:latin typeface="Times New Roman" panose="02020603050405020304" pitchFamily="18" charset="0"/>
                 <a:ea typeface="Times New Roman" panose="02020603050405020304" pitchFamily="18" charset="0"/>
+                <a:cs typeface="Times New Roman" panose="02020603050405020304" pitchFamily="18" charset="0"/>
               </a:rPr>
             </a:br>
             <a:r>
@@ -6781,8 +6885,9 @@
                   <a:schemeClr val="tx1"/>
                 </a:solidFill>
                 <a:effectLst/>
-                <a:latin typeface="Arial" panose="020B0604020202020204" pitchFamily="34" charset="0"/>
+                <a:latin typeface="Times New Roman" panose="02020603050405020304" pitchFamily="18" charset="0"/>
                 <a:ea typeface="Times New Roman" panose="02020603050405020304" pitchFamily="18" charset="0"/>
+                <a:cs typeface="Times New Roman" panose="02020603050405020304" pitchFamily="18" charset="0"/>
               </a:rPr>
               <a:t>User B</a:t>
             </a:r>
@@ -6794,7 +6899,8 @@
                 <a:schemeClr val="tx1"/>
               </a:solidFill>
               <a:effectLst/>
-              <a:latin typeface="Arial" panose="020B0604020202020204" pitchFamily="34" charset="0"/>
+              <a:latin typeface="Times New Roman" panose="02020603050405020304" pitchFamily="18" charset="0"/>
+              <a:cs typeface="Times New Roman" panose="02020603050405020304" pitchFamily="18" charset="0"/>
             </a:endParaRPr>
           </a:p>
         </p:txBody>
@@ -6815,7 +6921,7 @@
         </p:nvSpPr>
         <p:spPr bwMode="auto">
           <a:xfrm>
-            <a:off x="5816600" y="2430463"/>
+            <a:off x="5872355" y="2475067"/>
             <a:ext cx="712788" cy="238125"/>
           </a:xfrm>
           <a:prstGeom prst="rect">
@@ -6873,8 +6979,9 @@
                   <a:schemeClr val="tx1"/>
                 </a:solidFill>
                 <a:effectLst/>
-                <a:latin typeface="Arial" panose="020B0604020202020204" pitchFamily="34" charset="0"/>
+                <a:latin typeface="Times New Roman" panose="02020603050405020304" pitchFamily="18" charset="0"/>
                 <a:ea typeface="Times New Roman" panose="02020603050405020304" pitchFamily="18" charset="0"/>
+                <a:cs typeface="Times New Roman" panose="02020603050405020304" pitchFamily="18" charset="0"/>
               </a:rPr>
               <a:t>Switch to </a:t>
             </a:r>
@@ -6887,8 +6994,9 @@
                   <a:schemeClr val="tx1"/>
                 </a:solidFill>
                 <a:effectLst/>
-                <a:latin typeface="Arial" panose="020B0604020202020204" pitchFamily="34" charset="0"/>
+                <a:latin typeface="Times New Roman" panose="02020603050405020304" pitchFamily="18" charset="0"/>
                 <a:ea typeface="Times New Roman" panose="02020603050405020304" pitchFamily="18" charset="0"/>
+                <a:cs typeface="Times New Roman" panose="02020603050405020304" pitchFamily="18" charset="0"/>
               </a:rPr>
             </a:br>
             <a:r>
@@ -6900,8 +7008,9 @@
                   <a:schemeClr val="tx1"/>
                 </a:solidFill>
                 <a:effectLst/>
-                <a:latin typeface="Arial" panose="020B0604020202020204" pitchFamily="34" charset="0"/>
+                <a:latin typeface="Times New Roman" panose="02020603050405020304" pitchFamily="18" charset="0"/>
                 <a:ea typeface="Times New Roman" panose="02020603050405020304" pitchFamily="18" charset="0"/>
+                <a:cs typeface="Times New Roman" panose="02020603050405020304" pitchFamily="18" charset="0"/>
               </a:rPr>
               <a:t>User A</a:t>
             </a:r>
@@ -6913,7 +7022,8 @@
                 <a:schemeClr val="tx1"/>
               </a:solidFill>
               <a:effectLst/>
-              <a:latin typeface="Arial" panose="020B0604020202020204" pitchFamily="34" charset="0"/>
+              <a:latin typeface="Times New Roman" panose="02020603050405020304" pitchFamily="18" charset="0"/>
+              <a:cs typeface="Times New Roman" panose="02020603050405020304" pitchFamily="18" charset="0"/>
             </a:endParaRPr>
           </a:p>
         </p:txBody>
@@ -6934,7 +7044,7 @@
         </p:nvSpPr>
         <p:spPr bwMode="auto">
           <a:xfrm>
-            <a:off x="1362075" y="3498850"/>
+            <a:off x="1239414" y="3498850"/>
             <a:ext cx="712788" cy="238125"/>
           </a:xfrm>
           <a:prstGeom prst="rect">
@@ -6992,8 +7102,9 @@
                   <a:schemeClr val="tx1"/>
                 </a:solidFill>
                 <a:effectLst/>
-                <a:latin typeface="Arial" panose="020B0604020202020204" pitchFamily="34" charset="0"/>
+                <a:latin typeface="Times New Roman" panose="02020603050405020304" pitchFamily="18" charset="0"/>
                 <a:ea typeface="Times New Roman" panose="02020603050405020304" pitchFamily="18" charset="0"/>
+                <a:cs typeface="Times New Roman" panose="02020603050405020304" pitchFamily="18" charset="0"/>
               </a:rPr>
               <a:t>Switch to </a:t>
             </a:r>
@@ -7006,8 +7117,9 @@
                   <a:schemeClr val="tx1"/>
                 </a:solidFill>
                 <a:effectLst/>
-                <a:latin typeface="Arial" panose="020B0604020202020204" pitchFamily="34" charset="0"/>
+                <a:latin typeface="Times New Roman" panose="02020603050405020304" pitchFamily="18" charset="0"/>
                 <a:ea typeface="Times New Roman" panose="02020603050405020304" pitchFamily="18" charset="0"/>
+                <a:cs typeface="Times New Roman" panose="02020603050405020304" pitchFamily="18" charset="0"/>
               </a:rPr>
             </a:br>
             <a:r>
@@ -7019,8 +7131,9 @@
                   <a:schemeClr val="tx1"/>
                 </a:solidFill>
                 <a:effectLst/>
-                <a:latin typeface="Arial" panose="020B0604020202020204" pitchFamily="34" charset="0"/>
+                <a:latin typeface="Times New Roman" panose="02020603050405020304" pitchFamily="18" charset="0"/>
                 <a:ea typeface="Times New Roman" panose="02020603050405020304" pitchFamily="18" charset="0"/>
+                <a:cs typeface="Times New Roman" panose="02020603050405020304" pitchFamily="18" charset="0"/>
               </a:rPr>
               <a:t>User B</a:t>
             </a:r>
@@ -7032,7 +7145,8 @@
                 <a:schemeClr val="tx1"/>
               </a:solidFill>
               <a:effectLst/>
-              <a:latin typeface="Arial" panose="020B0604020202020204" pitchFamily="34" charset="0"/>
+              <a:latin typeface="Times New Roman" panose="02020603050405020304" pitchFamily="18" charset="0"/>
+              <a:cs typeface="Times New Roman" panose="02020603050405020304" pitchFamily="18" charset="0"/>
             </a:endParaRPr>
           </a:p>
         </p:txBody>
@@ -8024,6 +8138,954 @@
           </a:p>
         </p:txBody>
       </p:sp>
+      <p:grpSp>
+        <p:nvGrpSpPr>
+          <p:cNvPr id="71" name="Group 70">
+            <a:extLst>
+              <a:ext uri="{FF2B5EF4-FFF2-40B4-BE49-F238E27FC236}">
+                <a16:creationId xmlns:a16="http://schemas.microsoft.com/office/drawing/2014/main" id="{FEF0DD1D-47C2-A34A-B53A-3A46C3176122}"/>
+              </a:ext>
+            </a:extLst>
+          </p:cNvPr>
+          <p:cNvGrpSpPr/>
+          <p:nvPr/>
+        </p:nvGrpSpPr>
+        <p:grpSpPr>
+          <a:xfrm>
+            <a:off x="5510903" y="2464445"/>
+            <a:ext cx="324127" cy="242457"/>
+            <a:chOff x="3555709" y="3740033"/>
+            <a:chExt cx="324127" cy="242457"/>
+          </a:xfrm>
+        </p:grpSpPr>
+        <p:sp>
+          <p:nvSpPr>
+            <p:cNvPr id="72" name="Line 23">
+              <a:extLst>
+                <a:ext uri="{FF2B5EF4-FFF2-40B4-BE49-F238E27FC236}">
+                  <a16:creationId xmlns:a16="http://schemas.microsoft.com/office/drawing/2014/main" id="{224F8EA2-6F52-9846-851B-DCAAB6C31A48}"/>
+                </a:ext>
+              </a:extLst>
+            </p:cNvPr>
+            <p:cNvSpPr>
+              <a:spLocks noChangeShapeType="1"/>
+            </p:cNvSpPr>
+            <p:nvPr/>
+          </p:nvSpPr>
+          <p:spPr bwMode="auto">
+            <a:xfrm flipH="1" flipV="1">
+              <a:off x="3573026" y="3982490"/>
+              <a:ext cx="296418" cy="0"/>
+            </a:xfrm>
+            <a:prstGeom prst="line">
+              <a:avLst/>
+            </a:prstGeom>
+            <a:noFill/>
+            <a:ln w="9525">
+              <a:solidFill>
+                <a:srgbClr val="000000"/>
+              </a:solidFill>
+              <a:round/>
+              <a:headEnd/>
+              <a:tailEnd type="triangle" w="med" len="med"/>
+            </a:ln>
+            <a:extLst>
+              <a:ext uri="{909E8E84-426E-40DD-AFC4-6F175D3DCCD1}">
+                <a14:hiddenFill xmlns:a14="http://schemas.microsoft.com/office/drawing/2010/main">
+                  <a:noFill/>
+                </a14:hiddenFill>
+              </a:ext>
+            </a:extLst>
+          </p:spPr>
+          <p:txBody>
+            <a:bodyPr vert="horz" wrap="square" lIns="91440" tIns="45720" rIns="91440" bIns="45720" numCol="1" anchor="t" anchorCtr="0" compatLnSpc="1">
+              <a:prstTxWarp prst="textNoShape">
+                <a:avLst/>
+              </a:prstTxWarp>
+            </a:bodyPr>
+            <a:lstStyle/>
+            <a:p>
+              <a:endParaRPr lang="en-US"/>
+            </a:p>
+          </p:txBody>
+        </p:sp>
+        <p:cxnSp>
+          <p:nvCxnSpPr>
+            <p:cNvPr id="73" name="Straight Connector 72">
+              <a:extLst>
+                <a:ext uri="{FF2B5EF4-FFF2-40B4-BE49-F238E27FC236}">
+                  <a16:creationId xmlns:a16="http://schemas.microsoft.com/office/drawing/2014/main" id="{8A5CB2C9-563D-B54B-A996-CC2D22C94633}"/>
+                </a:ext>
+              </a:extLst>
+            </p:cNvPr>
+            <p:cNvCxnSpPr>
+              <a:cxnSpLocks/>
+            </p:cNvCxnSpPr>
+            <p:nvPr/>
+          </p:nvCxnSpPr>
+          <p:spPr>
+            <a:xfrm flipV="1">
+              <a:off x="3879835" y="3740033"/>
+              <a:ext cx="0" cy="242457"/>
+            </a:xfrm>
+            <a:prstGeom prst="line">
+              <a:avLst/>
+            </a:prstGeom>
+            <a:ln w="12700">
+              <a:solidFill>
+                <a:schemeClr val="tx1"/>
+              </a:solidFill>
+            </a:ln>
+          </p:spPr>
+          <p:style>
+            <a:lnRef idx="1">
+              <a:schemeClr val="accent1"/>
+            </a:lnRef>
+            <a:fillRef idx="0">
+              <a:schemeClr val="accent1"/>
+            </a:fillRef>
+            <a:effectRef idx="0">
+              <a:schemeClr val="accent1"/>
+            </a:effectRef>
+            <a:fontRef idx="minor">
+              <a:schemeClr val="tx1"/>
+            </a:fontRef>
+          </p:style>
+        </p:cxnSp>
+        <p:cxnSp>
+          <p:nvCxnSpPr>
+            <p:cNvPr id="74" name="Straight Connector 73">
+              <a:extLst>
+                <a:ext uri="{FF2B5EF4-FFF2-40B4-BE49-F238E27FC236}">
+                  <a16:creationId xmlns:a16="http://schemas.microsoft.com/office/drawing/2014/main" id="{08BFDC20-924C-B643-A3A1-4FA68333FBEB}"/>
+                </a:ext>
+              </a:extLst>
+            </p:cNvPr>
+            <p:cNvCxnSpPr>
+              <a:cxnSpLocks/>
+            </p:cNvCxnSpPr>
+            <p:nvPr/>
+          </p:nvCxnSpPr>
+          <p:spPr>
+            <a:xfrm flipH="1" flipV="1">
+              <a:off x="3555709" y="3740034"/>
+              <a:ext cx="324127" cy="0"/>
+            </a:xfrm>
+            <a:prstGeom prst="line">
+              <a:avLst/>
+            </a:prstGeom>
+            <a:ln w="12700">
+              <a:solidFill>
+                <a:schemeClr val="tx1"/>
+              </a:solidFill>
+            </a:ln>
+          </p:spPr>
+          <p:style>
+            <a:lnRef idx="1">
+              <a:schemeClr val="accent1"/>
+            </a:lnRef>
+            <a:fillRef idx="0">
+              <a:schemeClr val="accent1"/>
+            </a:fillRef>
+            <a:effectRef idx="0">
+              <a:schemeClr val="accent1"/>
+            </a:effectRef>
+            <a:fontRef idx="minor">
+              <a:schemeClr val="tx1"/>
+            </a:fontRef>
+          </p:style>
+        </p:cxnSp>
+      </p:grpSp>
+      <p:grpSp>
+        <p:nvGrpSpPr>
+          <p:cNvPr id="75" name="Group 74">
+            <a:extLst>
+              <a:ext uri="{FF2B5EF4-FFF2-40B4-BE49-F238E27FC236}">
+                <a16:creationId xmlns:a16="http://schemas.microsoft.com/office/drawing/2014/main" id="{37A5A0A0-97D5-8C44-95DD-1BB196FE34E9}"/>
+              </a:ext>
+            </a:extLst>
+          </p:cNvPr>
+          <p:cNvGrpSpPr/>
+          <p:nvPr/>
+        </p:nvGrpSpPr>
+        <p:grpSpPr>
+          <a:xfrm>
+            <a:off x="5532763" y="3588101"/>
+            <a:ext cx="324127" cy="242457"/>
+            <a:chOff x="3555709" y="3740033"/>
+            <a:chExt cx="324127" cy="242457"/>
+          </a:xfrm>
+        </p:grpSpPr>
+        <p:sp>
+          <p:nvSpPr>
+            <p:cNvPr id="76" name="Line 23">
+              <a:extLst>
+                <a:ext uri="{FF2B5EF4-FFF2-40B4-BE49-F238E27FC236}">
+                  <a16:creationId xmlns:a16="http://schemas.microsoft.com/office/drawing/2014/main" id="{71AB2E87-CB94-7741-B84C-76CB0AA479A9}"/>
+                </a:ext>
+              </a:extLst>
+            </p:cNvPr>
+            <p:cNvSpPr>
+              <a:spLocks noChangeShapeType="1"/>
+            </p:cNvSpPr>
+            <p:nvPr/>
+          </p:nvSpPr>
+          <p:spPr bwMode="auto">
+            <a:xfrm flipH="1" flipV="1">
+              <a:off x="3573026" y="3982490"/>
+              <a:ext cx="296418" cy="0"/>
+            </a:xfrm>
+            <a:prstGeom prst="line">
+              <a:avLst/>
+            </a:prstGeom>
+            <a:noFill/>
+            <a:ln w="9525">
+              <a:solidFill>
+                <a:srgbClr val="000000"/>
+              </a:solidFill>
+              <a:round/>
+              <a:headEnd/>
+              <a:tailEnd type="triangle" w="med" len="med"/>
+            </a:ln>
+            <a:extLst>
+              <a:ext uri="{909E8E84-426E-40DD-AFC4-6F175D3DCCD1}">
+                <a14:hiddenFill xmlns:a14="http://schemas.microsoft.com/office/drawing/2010/main">
+                  <a:noFill/>
+                </a14:hiddenFill>
+              </a:ext>
+            </a:extLst>
+          </p:spPr>
+          <p:txBody>
+            <a:bodyPr vert="horz" wrap="square" lIns="91440" tIns="45720" rIns="91440" bIns="45720" numCol="1" anchor="t" anchorCtr="0" compatLnSpc="1">
+              <a:prstTxWarp prst="textNoShape">
+                <a:avLst/>
+              </a:prstTxWarp>
+            </a:bodyPr>
+            <a:lstStyle/>
+            <a:p>
+              <a:endParaRPr lang="en-US"/>
+            </a:p>
+          </p:txBody>
+        </p:sp>
+        <p:cxnSp>
+          <p:nvCxnSpPr>
+            <p:cNvPr id="77" name="Straight Connector 76">
+              <a:extLst>
+                <a:ext uri="{FF2B5EF4-FFF2-40B4-BE49-F238E27FC236}">
+                  <a16:creationId xmlns:a16="http://schemas.microsoft.com/office/drawing/2014/main" id="{2EFC7516-F35A-EF44-8424-9CC8B882C8B1}"/>
+                </a:ext>
+              </a:extLst>
+            </p:cNvPr>
+            <p:cNvCxnSpPr>
+              <a:cxnSpLocks/>
+            </p:cNvCxnSpPr>
+            <p:nvPr/>
+          </p:nvCxnSpPr>
+          <p:spPr>
+            <a:xfrm flipV="1">
+              <a:off x="3879835" y="3740033"/>
+              <a:ext cx="0" cy="242457"/>
+            </a:xfrm>
+            <a:prstGeom prst="line">
+              <a:avLst/>
+            </a:prstGeom>
+            <a:ln w="12700">
+              <a:solidFill>
+                <a:schemeClr val="tx1"/>
+              </a:solidFill>
+            </a:ln>
+          </p:spPr>
+          <p:style>
+            <a:lnRef idx="1">
+              <a:schemeClr val="accent1"/>
+            </a:lnRef>
+            <a:fillRef idx="0">
+              <a:schemeClr val="accent1"/>
+            </a:fillRef>
+            <a:effectRef idx="0">
+              <a:schemeClr val="accent1"/>
+            </a:effectRef>
+            <a:fontRef idx="minor">
+              <a:schemeClr val="tx1"/>
+            </a:fontRef>
+          </p:style>
+        </p:cxnSp>
+        <p:cxnSp>
+          <p:nvCxnSpPr>
+            <p:cNvPr id="78" name="Straight Connector 77">
+              <a:extLst>
+                <a:ext uri="{FF2B5EF4-FFF2-40B4-BE49-F238E27FC236}">
+                  <a16:creationId xmlns:a16="http://schemas.microsoft.com/office/drawing/2014/main" id="{5E39034B-2561-974B-93A4-2D34312E41B8}"/>
+                </a:ext>
+              </a:extLst>
+            </p:cNvPr>
+            <p:cNvCxnSpPr>
+              <a:cxnSpLocks/>
+            </p:cNvCxnSpPr>
+            <p:nvPr/>
+          </p:nvCxnSpPr>
+          <p:spPr>
+            <a:xfrm flipH="1" flipV="1">
+              <a:off x="3555709" y="3740034"/>
+              <a:ext cx="324127" cy="0"/>
+            </a:xfrm>
+            <a:prstGeom prst="line">
+              <a:avLst/>
+            </a:prstGeom>
+            <a:ln w="12700">
+              <a:solidFill>
+                <a:schemeClr val="tx1"/>
+              </a:solidFill>
+            </a:ln>
+          </p:spPr>
+          <p:style>
+            <a:lnRef idx="1">
+              <a:schemeClr val="accent1"/>
+            </a:lnRef>
+            <a:fillRef idx="0">
+              <a:schemeClr val="accent1"/>
+            </a:fillRef>
+            <a:effectRef idx="0">
+              <a:schemeClr val="accent1"/>
+            </a:effectRef>
+            <a:fontRef idx="minor">
+              <a:schemeClr val="tx1"/>
+            </a:fontRef>
+          </p:style>
+        </p:cxnSp>
+      </p:grpSp>
+      <p:grpSp>
+        <p:nvGrpSpPr>
+          <p:cNvPr id="79" name="Group 78">
+            <a:extLst>
+              <a:ext uri="{FF2B5EF4-FFF2-40B4-BE49-F238E27FC236}">
+                <a16:creationId xmlns:a16="http://schemas.microsoft.com/office/drawing/2014/main" id="{84CD8ADC-DD54-E747-83D9-99EF8C2E167F}"/>
+              </a:ext>
+            </a:extLst>
+          </p:cNvPr>
+          <p:cNvGrpSpPr/>
+          <p:nvPr/>
+        </p:nvGrpSpPr>
+        <p:grpSpPr>
+          <a:xfrm>
+            <a:off x="5517896" y="4587995"/>
+            <a:ext cx="324127" cy="242457"/>
+            <a:chOff x="3555709" y="3740033"/>
+            <a:chExt cx="324127" cy="242457"/>
+          </a:xfrm>
+        </p:grpSpPr>
+        <p:sp>
+          <p:nvSpPr>
+            <p:cNvPr id="80" name="Line 23">
+              <a:extLst>
+                <a:ext uri="{FF2B5EF4-FFF2-40B4-BE49-F238E27FC236}">
+                  <a16:creationId xmlns:a16="http://schemas.microsoft.com/office/drawing/2014/main" id="{41F5EB9D-6293-3F49-A06C-EFFBEA245A54}"/>
+                </a:ext>
+              </a:extLst>
+            </p:cNvPr>
+            <p:cNvSpPr>
+              <a:spLocks noChangeShapeType="1"/>
+            </p:cNvSpPr>
+            <p:nvPr/>
+          </p:nvSpPr>
+          <p:spPr bwMode="auto">
+            <a:xfrm flipH="1" flipV="1">
+              <a:off x="3573026" y="3982490"/>
+              <a:ext cx="296418" cy="0"/>
+            </a:xfrm>
+            <a:prstGeom prst="line">
+              <a:avLst/>
+            </a:prstGeom>
+            <a:noFill/>
+            <a:ln w="9525">
+              <a:solidFill>
+                <a:srgbClr val="000000"/>
+              </a:solidFill>
+              <a:round/>
+              <a:headEnd/>
+              <a:tailEnd type="triangle" w="med" len="med"/>
+            </a:ln>
+            <a:extLst>
+              <a:ext uri="{909E8E84-426E-40DD-AFC4-6F175D3DCCD1}">
+                <a14:hiddenFill xmlns:a14="http://schemas.microsoft.com/office/drawing/2010/main">
+                  <a:noFill/>
+                </a14:hiddenFill>
+              </a:ext>
+            </a:extLst>
+          </p:spPr>
+          <p:txBody>
+            <a:bodyPr vert="horz" wrap="square" lIns="91440" tIns="45720" rIns="91440" bIns="45720" numCol="1" anchor="t" anchorCtr="0" compatLnSpc="1">
+              <a:prstTxWarp prst="textNoShape">
+                <a:avLst/>
+              </a:prstTxWarp>
+            </a:bodyPr>
+            <a:lstStyle/>
+            <a:p>
+              <a:endParaRPr lang="en-US"/>
+            </a:p>
+          </p:txBody>
+        </p:sp>
+        <p:cxnSp>
+          <p:nvCxnSpPr>
+            <p:cNvPr id="81" name="Straight Connector 80">
+              <a:extLst>
+                <a:ext uri="{FF2B5EF4-FFF2-40B4-BE49-F238E27FC236}">
+                  <a16:creationId xmlns:a16="http://schemas.microsoft.com/office/drawing/2014/main" id="{B8019426-D199-2748-93E6-684C1085091E}"/>
+                </a:ext>
+              </a:extLst>
+            </p:cNvPr>
+            <p:cNvCxnSpPr>
+              <a:cxnSpLocks/>
+            </p:cNvCxnSpPr>
+            <p:nvPr/>
+          </p:nvCxnSpPr>
+          <p:spPr>
+            <a:xfrm flipV="1">
+              <a:off x="3879835" y="3740033"/>
+              <a:ext cx="0" cy="242457"/>
+            </a:xfrm>
+            <a:prstGeom prst="line">
+              <a:avLst/>
+            </a:prstGeom>
+            <a:ln w="12700">
+              <a:solidFill>
+                <a:schemeClr val="tx1"/>
+              </a:solidFill>
+            </a:ln>
+          </p:spPr>
+          <p:style>
+            <a:lnRef idx="1">
+              <a:schemeClr val="accent1"/>
+            </a:lnRef>
+            <a:fillRef idx="0">
+              <a:schemeClr val="accent1"/>
+            </a:fillRef>
+            <a:effectRef idx="0">
+              <a:schemeClr val="accent1"/>
+            </a:effectRef>
+            <a:fontRef idx="minor">
+              <a:schemeClr val="tx1"/>
+            </a:fontRef>
+          </p:style>
+        </p:cxnSp>
+        <p:cxnSp>
+          <p:nvCxnSpPr>
+            <p:cNvPr id="82" name="Straight Connector 81">
+              <a:extLst>
+                <a:ext uri="{FF2B5EF4-FFF2-40B4-BE49-F238E27FC236}">
+                  <a16:creationId xmlns:a16="http://schemas.microsoft.com/office/drawing/2014/main" id="{35D66C11-E354-824C-97E1-6E3CF08CFF85}"/>
+                </a:ext>
+              </a:extLst>
+            </p:cNvPr>
+            <p:cNvCxnSpPr>
+              <a:cxnSpLocks/>
+            </p:cNvCxnSpPr>
+            <p:nvPr/>
+          </p:nvCxnSpPr>
+          <p:spPr>
+            <a:xfrm flipH="1" flipV="1">
+              <a:off x="3555709" y="3740034"/>
+              <a:ext cx="324127" cy="0"/>
+            </a:xfrm>
+            <a:prstGeom prst="line">
+              <a:avLst/>
+            </a:prstGeom>
+            <a:ln w="12700">
+              <a:solidFill>
+                <a:schemeClr val="tx1"/>
+              </a:solidFill>
+            </a:ln>
+          </p:spPr>
+          <p:style>
+            <a:lnRef idx="1">
+              <a:schemeClr val="accent1"/>
+            </a:lnRef>
+            <a:fillRef idx="0">
+              <a:schemeClr val="accent1"/>
+            </a:fillRef>
+            <a:effectRef idx="0">
+              <a:schemeClr val="accent1"/>
+            </a:effectRef>
+            <a:fontRef idx="minor">
+              <a:schemeClr val="tx1"/>
+            </a:fontRef>
+          </p:style>
+        </p:cxnSp>
+      </p:grpSp>
+      <p:grpSp>
+        <p:nvGrpSpPr>
+          <p:cNvPr id="83" name="Group 82">
+            <a:extLst>
+              <a:ext uri="{FF2B5EF4-FFF2-40B4-BE49-F238E27FC236}">
+                <a16:creationId xmlns:a16="http://schemas.microsoft.com/office/drawing/2014/main" id="{EA471C89-0875-DD47-A10E-FF2C23A4F211}"/>
+              </a:ext>
+            </a:extLst>
+          </p:cNvPr>
+          <p:cNvGrpSpPr/>
+          <p:nvPr/>
+        </p:nvGrpSpPr>
+        <p:grpSpPr>
+          <a:xfrm flipH="1">
+            <a:off x="644904" y="4242809"/>
+            <a:ext cx="324127" cy="242457"/>
+            <a:chOff x="3555709" y="3740033"/>
+            <a:chExt cx="324127" cy="242457"/>
+          </a:xfrm>
+        </p:grpSpPr>
+        <p:sp>
+          <p:nvSpPr>
+            <p:cNvPr id="84" name="Line 23">
+              <a:extLst>
+                <a:ext uri="{FF2B5EF4-FFF2-40B4-BE49-F238E27FC236}">
+                  <a16:creationId xmlns:a16="http://schemas.microsoft.com/office/drawing/2014/main" id="{1FC2AF0A-7B44-3B46-8ACC-2CF5F3A4798D}"/>
+                </a:ext>
+              </a:extLst>
+            </p:cNvPr>
+            <p:cNvSpPr>
+              <a:spLocks noChangeShapeType="1"/>
+            </p:cNvSpPr>
+            <p:nvPr/>
+          </p:nvSpPr>
+          <p:spPr bwMode="auto">
+            <a:xfrm flipH="1" flipV="1">
+              <a:off x="3573026" y="3982490"/>
+              <a:ext cx="296418" cy="0"/>
+            </a:xfrm>
+            <a:prstGeom prst="line">
+              <a:avLst/>
+            </a:prstGeom>
+            <a:noFill/>
+            <a:ln w="9525">
+              <a:solidFill>
+                <a:srgbClr val="000000"/>
+              </a:solidFill>
+              <a:round/>
+              <a:headEnd/>
+              <a:tailEnd type="triangle" w="med" len="med"/>
+            </a:ln>
+            <a:extLst>
+              <a:ext uri="{909E8E84-426E-40DD-AFC4-6F175D3DCCD1}">
+                <a14:hiddenFill xmlns:a14="http://schemas.microsoft.com/office/drawing/2010/main">
+                  <a:noFill/>
+                </a14:hiddenFill>
+              </a:ext>
+            </a:extLst>
+          </p:spPr>
+          <p:txBody>
+            <a:bodyPr vert="horz" wrap="square" lIns="91440" tIns="45720" rIns="91440" bIns="45720" numCol="1" anchor="t" anchorCtr="0" compatLnSpc="1">
+              <a:prstTxWarp prst="textNoShape">
+                <a:avLst/>
+              </a:prstTxWarp>
+            </a:bodyPr>
+            <a:lstStyle/>
+            <a:p>
+              <a:endParaRPr lang="en-US"/>
+            </a:p>
+          </p:txBody>
+        </p:sp>
+        <p:cxnSp>
+          <p:nvCxnSpPr>
+            <p:cNvPr id="85" name="Straight Connector 84">
+              <a:extLst>
+                <a:ext uri="{FF2B5EF4-FFF2-40B4-BE49-F238E27FC236}">
+                  <a16:creationId xmlns:a16="http://schemas.microsoft.com/office/drawing/2014/main" id="{9E3945A4-F5AF-2E49-853D-9FC7A4F86B5A}"/>
+                </a:ext>
+              </a:extLst>
+            </p:cNvPr>
+            <p:cNvCxnSpPr>
+              <a:cxnSpLocks/>
+            </p:cNvCxnSpPr>
+            <p:nvPr/>
+          </p:nvCxnSpPr>
+          <p:spPr>
+            <a:xfrm flipV="1">
+              <a:off x="3879835" y="3740033"/>
+              <a:ext cx="0" cy="242457"/>
+            </a:xfrm>
+            <a:prstGeom prst="line">
+              <a:avLst/>
+            </a:prstGeom>
+            <a:ln w="12700">
+              <a:solidFill>
+                <a:schemeClr val="tx1"/>
+              </a:solidFill>
+            </a:ln>
+          </p:spPr>
+          <p:style>
+            <a:lnRef idx="1">
+              <a:schemeClr val="accent1"/>
+            </a:lnRef>
+            <a:fillRef idx="0">
+              <a:schemeClr val="accent1"/>
+            </a:fillRef>
+            <a:effectRef idx="0">
+              <a:schemeClr val="accent1"/>
+            </a:effectRef>
+            <a:fontRef idx="minor">
+              <a:schemeClr val="tx1"/>
+            </a:fontRef>
+          </p:style>
+        </p:cxnSp>
+        <p:cxnSp>
+          <p:nvCxnSpPr>
+            <p:cNvPr id="86" name="Straight Connector 85">
+              <a:extLst>
+                <a:ext uri="{FF2B5EF4-FFF2-40B4-BE49-F238E27FC236}">
+                  <a16:creationId xmlns:a16="http://schemas.microsoft.com/office/drawing/2014/main" id="{25D5D380-C639-B342-AFD9-F8035C492691}"/>
+                </a:ext>
+              </a:extLst>
+            </p:cNvPr>
+            <p:cNvCxnSpPr>
+              <a:cxnSpLocks/>
+            </p:cNvCxnSpPr>
+            <p:nvPr/>
+          </p:nvCxnSpPr>
+          <p:spPr>
+            <a:xfrm flipH="1" flipV="1">
+              <a:off x="3555709" y="3740034"/>
+              <a:ext cx="324127" cy="0"/>
+            </a:xfrm>
+            <a:prstGeom prst="line">
+              <a:avLst/>
+            </a:prstGeom>
+            <a:ln w="12700">
+              <a:solidFill>
+                <a:schemeClr val="tx1"/>
+              </a:solidFill>
+            </a:ln>
+          </p:spPr>
+          <p:style>
+            <a:lnRef idx="1">
+              <a:schemeClr val="accent1"/>
+            </a:lnRef>
+            <a:fillRef idx="0">
+              <a:schemeClr val="accent1"/>
+            </a:fillRef>
+            <a:effectRef idx="0">
+              <a:schemeClr val="accent1"/>
+            </a:effectRef>
+            <a:fontRef idx="minor">
+              <a:schemeClr val="tx1"/>
+            </a:fontRef>
+          </p:style>
+        </p:cxnSp>
+      </p:grpSp>
+      <p:grpSp>
+        <p:nvGrpSpPr>
+          <p:cNvPr id="87" name="Group 86">
+            <a:extLst>
+              <a:ext uri="{FF2B5EF4-FFF2-40B4-BE49-F238E27FC236}">
+                <a16:creationId xmlns:a16="http://schemas.microsoft.com/office/drawing/2014/main" id="{F4BD8422-955B-8D48-8895-DCFFCD2F26DD}"/>
+              </a:ext>
+            </a:extLst>
+          </p:cNvPr>
+          <p:cNvGrpSpPr/>
+          <p:nvPr/>
+        </p:nvGrpSpPr>
+        <p:grpSpPr>
+          <a:xfrm flipH="1">
+            <a:off x="2023148" y="3542493"/>
+            <a:ext cx="304661" cy="192894"/>
+            <a:chOff x="3555709" y="3740033"/>
+            <a:chExt cx="324127" cy="242457"/>
+          </a:xfrm>
+        </p:grpSpPr>
+        <p:sp>
+          <p:nvSpPr>
+            <p:cNvPr id="88" name="Line 23">
+              <a:extLst>
+                <a:ext uri="{FF2B5EF4-FFF2-40B4-BE49-F238E27FC236}">
+                  <a16:creationId xmlns:a16="http://schemas.microsoft.com/office/drawing/2014/main" id="{37510F0A-86F5-2448-897C-7D553491D22F}"/>
+                </a:ext>
+              </a:extLst>
+            </p:cNvPr>
+            <p:cNvSpPr>
+              <a:spLocks noChangeShapeType="1"/>
+            </p:cNvSpPr>
+            <p:nvPr/>
+          </p:nvSpPr>
+          <p:spPr bwMode="auto">
+            <a:xfrm flipH="1" flipV="1">
+              <a:off x="3573026" y="3982490"/>
+              <a:ext cx="296418" cy="0"/>
+            </a:xfrm>
+            <a:prstGeom prst="line">
+              <a:avLst/>
+            </a:prstGeom>
+            <a:noFill/>
+            <a:ln w="9525">
+              <a:solidFill>
+                <a:srgbClr val="000000"/>
+              </a:solidFill>
+              <a:round/>
+              <a:headEnd/>
+              <a:tailEnd type="triangle" w="med" len="med"/>
+            </a:ln>
+            <a:extLst>
+              <a:ext uri="{909E8E84-426E-40DD-AFC4-6F175D3DCCD1}">
+                <a14:hiddenFill xmlns:a14="http://schemas.microsoft.com/office/drawing/2010/main">
+                  <a:noFill/>
+                </a14:hiddenFill>
+              </a:ext>
+            </a:extLst>
+          </p:spPr>
+          <p:txBody>
+            <a:bodyPr vert="horz" wrap="square" lIns="91440" tIns="45720" rIns="91440" bIns="45720" numCol="1" anchor="t" anchorCtr="0" compatLnSpc="1">
+              <a:prstTxWarp prst="textNoShape">
+                <a:avLst/>
+              </a:prstTxWarp>
+            </a:bodyPr>
+            <a:lstStyle/>
+            <a:p>
+              <a:endParaRPr lang="en-US"/>
+            </a:p>
+          </p:txBody>
+        </p:sp>
+        <p:cxnSp>
+          <p:nvCxnSpPr>
+            <p:cNvPr id="89" name="Straight Connector 88">
+              <a:extLst>
+                <a:ext uri="{FF2B5EF4-FFF2-40B4-BE49-F238E27FC236}">
+                  <a16:creationId xmlns:a16="http://schemas.microsoft.com/office/drawing/2014/main" id="{78229456-F62C-3143-8322-31CCBE158526}"/>
+                </a:ext>
+              </a:extLst>
+            </p:cNvPr>
+            <p:cNvCxnSpPr>
+              <a:cxnSpLocks/>
+            </p:cNvCxnSpPr>
+            <p:nvPr/>
+          </p:nvCxnSpPr>
+          <p:spPr>
+            <a:xfrm flipV="1">
+              <a:off x="3879835" y="3740033"/>
+              <a:ext cx="0" cy="242457"/>
+            </a:xfrm>
+            <a:prstGeom prst="line">
+              <a:avLst/>
+            </a:prstGeom>
+            <a:ln w="12700">
+              <a:solidFill>
+                <a:schemeClr val="tx1"/>
+              </a:solidFill>
+            </a:ln>
+          </p:spPr>
+          <p:style>
+            <a:lnRef idx="1">
+              <a:schemeClr val="accent1"/>
+            </a:lnRef>
+            <a:fillRef idx="0">
+              <a:schemeClr val="accent1"/>
+            </a:fillRef>
+            <a:effectRef idx="0">
+              <a:schemeClr val="accent1"/>
+            </a:effectRef>
+            <a:fontRef idx="minor">
+              <a:schemeClr val="tx1"/>
+            </a:fontRef>
+          </p:style>
+        </p:cxnSp>
+        <p:cxnSp>
+          <p:nvCxnSpPr>
+            <p:cNvPr id="90" name="Straight Connector 89">
+              <a:extLst>
+                <a:ext uri="{FF2B5EF4-FFF2-40B4-BE49-F238E27FC236}">
+                  <a16:creationId xmlns:a16="http://schemas.microsoft.com/office/drawing/2014/main" id="{5C3A77CA-C7D2-C84C-8507-427E8B0299EB}"/>
+                </a:ext>
+              </a:extLst>
+            </p:cNvPr>
+            <p:cNvCxnSpPr>
+              <a:cxnSpLocks/>
+            </p:cNvCxnSpPr>
+            <p:nvPr/>
+          </p:nvCxnSpPr>
+          <p:spPr>
+            <a:xfrm flipH="1" flipV="1">
+              <a:off x="3555709" y="3740034"/>
+              <a:ext cx="324127" cy="0"/>
+            </a:xfrm>
+            <a:prstGeom prst="line">
+              <a:avLst/>
+            </a:prstGeom>
+            <a:ln w="12700">
+              <a:solidFill>
+                <a:schemeClr val="tx1"/>
+              </a:solidFill>
+            </a:ln>
+          </p:spPr>
+          <p:style>
+            <a:lnRef idx="1">
+              <a:schemeClr val="accent1"/>
+            </a:lnRef>
+            <a:fillRef idx="0">
+              <a:schemeClr val="accent1"/>
+            </a:fillRef>
+            <a:effectRef idx="0">
+              <a:schemeClr val="accent1"/>
+            </a:effectRef>
+            <a:fontRef idx="minor">
+              <a:schemeClr val="tx1"/>
+            </a:fontRef>
+          </p:style>
+        </p:cxnSp>
+      </p:grpSp>
+      <p:grpSp>
+        <p:nvGrpSpPr>
+          <p:cNvPr id="91" name="Group 90">
+            <a:extLst>
+              <a:ext uri="{FF2B5EF4-FFF2-40B4-BE49-F238E27FC236}">
+                <a16:creationId xmlns:a16="http://schemas.microsoft.com/office/drawing/2014/main" id="{C140741C-C5E8-1843-B912-5EEF3242BF20}"/>
+              </a:ext>
+            </a:extLst>
+          </p:cNvPr>
+          <p:cNvGrpSpPr/>
+          <p:nvPr/>
+        </p:nvGrpSpPr>
+        <p:grpSpPr>
+          <a:xfrm flipH="1">
+            <a:off x="2019432" y="4018277"/>
+            <a:ext cx="304661" cy="192894"/>
+            <a:chOff x="3555709" y="3740033"/>
+            <a:chExt cx="324127" cy="242457"/>
+          </a:xfrm>
+        </p:grpSpPr>
+        <p:sp>
+          <p:nvSpPr>
+            <p:cNvPr id="92" name="Line 23">
+              <a:extLst>
+                <a:ext uri="{FF2B5EF4-FFF2-40B4-BE49-F238E27FC236}">
+                  <a16:creationId xmlns:a16="http://schemas.microsoft.com/office/drawing/2014/main" id="{67D6FB1B-DD4C-6446-96C1-62A1587A6636}"/>
+                </a:ext>
+              </a:extLst>
+            </p:cNvPr>
+            <p:cNvSpPr>
+              <a:spLocks noChangeShapeType="1"/>
+            </p:cNvSpPr>
+            <p:nvPr/>
+          </p:nvSpPr>
+          <p:spPr bwMode="auto">
+            <a:xfrm flipH="1" flipV="1">
+              <a:off x="3573026" y="3982490"/>
+              <a:ext cx="296418" cy="0"/>
+            </a:xfrm>
+            <a:prstGeom prst="line">
+              <a:avLst/>
+            </a:prstGeom>
+            <a:noFill/>
+            <a:ln w="9525">
+              <a:solidFill>
+                <a:srgbClr val="000000"/>
+              </a:solidFill>
+              <a:round/>
+              <a:headEnd/>
+              <a:tailEnd type="triangle" w="med" len="med"/>
+            </a:ln>
+            <a:extLst>
+              <a:ext uri="{909E8E84-426E-40DD-AFC4-6F175D3DCCD1}">
+                <a14:hiddenFill xmlns:a14="http://schemas.microsoft.com/office/drawing/2010/main">
+                  <a:noFill/>
+                </a14:hiddenFill>
+              </a:ext>
+            </a:extLst>
+          </p:spPr>
+          <p:txBody>
+            <a:bodyPr vert="horz" wrap="square" lIns="91440" tIns="45720" rIns="91440" bIns="45720" numCol="1" anchor="t" anchorCtr="0" compatLnSpc="1">
+              <a:prstTxWarp prst="textNoShape">
+                <a:avLst/>
+              </a:prstTxWarp>
+            </a:bodyPr>
+            <a:lstStyle/>
+            <a:p>
+              <a:endParaRPr lang="en-US"/>
+            </a:p>
+          </p:txBody>
+        </p:sp>
+        <p:cxnSp>
+          <p:nvCxnSpPr>
+            <p:cNvPr id="93" name="Straight Connector 92">
+              <a:extLst>
+                <a:ext uri="{FF2B5EF4-FFF2-40B4-BE49-F238E27FC236}">
+                  <a16:creationId xmlns:a16="http://schemas.microsoft.com/office/drawing/2014/main" id="{8F6C1A13-AD31-F147-AC93-9D3E1B1CD49B}"/>
+                </a:ext>
+              </a:extLst>
+            </p:cNvPr>
+            <p:cNvCxnSpPr>
+              <a:cxnSpLocks/>
+            </p:cNvCxnSpPr>
+            <p:nvPr/>
+          </p:nvCxnSpPr>
+          <p:spPr>
+            <a:xfrm flipV="1">
+              <a:off x="3879835" y="3740033"/>
+              <a:ext cx="0" cy="242457"/>
+            </a:xfrm>
+            <a:prstGeom prst="line">
+              <a:avLst/>
+            </a:prstGeom>
+            <a:ln w="12700">
+              <a:solidFill>
+                <a:schemeClr val="tx1"/>
+              </a:solidFill>
+            </a:ln>
+          </p:spPr>
+          <p:style>
+            <a:lnRef idx="1">
+              <a:schemeClr val="accent1"/>
+            </a:lnRef>
+            <a:fillRef idx="0">
+              <a:schemeClr val="accent1"/>
+            </a:fillRef>
+            <a:effectRef idx="0">
+              <a:schemeClr val="accent1"/>
+            </a:effectRef>
+            <a:fontRef idx="minor">
+              <a:schemeClr val="tx1"/>
+            </a:fontRef>
+          </p:style>
+        </p:cxnSp>
+        <p:cxnSp>
+          <p:nvCxnSpPr>
+            <p:cNvPr id="94" name="Straight Connector 93">
+              <a:extLst>
+                <a:ext uri="{FF2B5EF4-FFF2-40B4-BE49-F238E27FC236}">
+                  <a16:creationId xmlns:a16="http://schemas.microsoft.com/office/drawing/2014/main" id="{197246AE-8D64-A14C-86E1-58358BAC7481}"/>
+                </a:ext>
+              </a:extLst>
+            </p:cNvPr>
+            <p:cNvCxnSpPr>
+              <a:cxnSpLocks/>
+            </p:cNvCxnSpPr>
+            <p:nvPr/>
+          </p:nvCxnSpPr>
+          <p:spPr>
+            <a:xfrm flipH="1" flipV="1">
+              <a:off x="3555709" y="3740034"/>
+              <a:ext cx="324127" cy="0"/>
+            </a:xfrm>
+            <a:prstGeom prst="line">
+              <a:avLst/>
+            </a:prstGeom>
+            <a:ln w="12700">
+              <a:solidFill>
+                <a:schemeClr val="tx1"/>
+              </a:solidFill>
+            </a:ln>
+          </p:spPr>
+          <p:style>
+            <a:lnRef idx="1">
+              <a:schemeClr val="accent1"/>
+            </a:lnRef>
+            <a:fillRef idx="0">
+              <a:schemeClr val="accent1"/>
+            </a:fillRef>
+            <a:effectRef idx="0">
+              <a:schemeClr val="accent1"/>
+            </a:effectRef>
+            <a:fontRef idx="minor">
+              <a:schemeClr val="tx1"/>
+            </a:fontRef>
+          </p:style>
+        </p:cxnSp>
+      </p:grpSp>
     </p:spTree>
     <p:extLst>
       <p:ext uri="{BB962C8B-B14F-4D97-AF65-F5344CB8AC3E}">
